--- a/Suricon2024/Informational_and_Honeytoken_Rules.pptx
+++ b/Suricon2024/Informational_and_Honeytoken_Rules.pptx
@@ -7926,12 +7926,22 @@
           </a:p>
           <a:p>
             <a:r>
-              <a:rPr lang="en-US" dirty="0">
-                <a:solidFill>
-                  <a:schemeClr val="bg1"/>
-                </a:solidFill>
-              </a:rPr>
-              <a:t>Slide deck is available at: https://github.com/da667/suricon2024</a:t>
+              <a:rPr lang="en-US" sz="3200" u="sng" dirty="0">
+                <a:solidFill>
+                  <a:schemeClr val="bg1"/>
+                </a:solidFill>
+              </a:rPr>
+              <a:t>Slide deck is available at:</a:t>
+            </a:r>
+          </a:p>
+          <a:p>
+            <a:r>
+              <a:rPr lang="en-US" sz="3200" b="1" dirty="0">
+                <a:solidFill>
+                  <a:schemeClr val="bg1"/>
+                </a:solidFill>
+              </a:rPr>
+              <a:t> https://github.com/da667/Contalks/tree/main/Suricon2024</a:t>
             </a:r>
           </a:p>
           <a:p>
@@ -8020,14 +8030,13 @@
               </a:ext>
             </a:extLst>
           </a:blip>
-          <a:stretch>
-            <a:fillRect/>
-          </a:stretch>
+          <a:srcRect t="17967"/>
+          <a:stretch/>
         </p:blipFill>
         <p:spPr>
           <a:xfrm>
-            <a:off x="3117881" y="4081077"/>
-            <a:ext cx="4592816" cy="2583459"/>
+            <a:off x="3117881" y="4545237"/>
+            <a:ext cx="4942220" cy="2280527"/>
           </a:xfrm>
           <a:prstGeom prst="rect">
             <a:avLst/>
@@ -12715,7 +12724,7 @@
           <a:lstStyle/>
           <a:p>
             <a:r>
-              <a:rPr lang="en-US" dirty="0">
+              <a:rPr lang="en-US" sz="3000" dirty="0">
                 <a:solidFill>
                   <a:schemeClr val="bg1"/>
                 </a:solidFill>
@@ -12726,7 +12735,7 @@
           <a:p>
             <a:pPr lvl="1"/>
             <a:r>
-              <a:rPr lang="en-US" dirty="0">
+              <a:rPr lang="en-US" sz="2800" dirty="0">
                 <a:solidFill>
                   <a:schemeClr val="bg1"/>
                 </a:solidFill>
@@ -12737,7 +12746,7 @@
           <a:p>
             <a:pPr lvl="2"/>
             <a:r>
-              <a:rPr lang="en-US" dirty="0">
+              <a:rPr lang="en-US" sz="2600" dirty="0">
                 <a:solidFill>
                   <a:schemeClr val="bg1"/>
                 </a:solidFill>
@@ -12748,7 +12757,7 @@
           <a:p>
             <a:pPr lvl="2"/>
             <a:r>
-              <a:rPr lang="en-US" dirty="0">
+              <a:rPr lang="en-US" sz="2600" dirty="0">
                 <a:solidFill>
                   <a:schemeClr val="bg1"/>
                 </a:solidFill>
@@ -12759,7 +12768,7 @@
           <a:p>
             <a:pPr lvl="2"/>
             <a:r>
-              <a:rPr lang="en-US" dirty="0">
+              <a:rPr lang="en-US" sz="2600" dirty="0">
                 <a:solidFill>
                   <a:schemeClr val="bg1"/>
                 </a:solidFill>
@@ -12770,7 +12779,7 @@
           <a:p>
             <a:pPr lvl="2"/>
             <a:r>
-              <a:rPr lang="en-US" dirty="0">
+              <a:rPr lang="en-US" sz="2600" dirty="0">
                 <a:solidFill>
                   <a:schemeClr val="bg1"/>
                 </a:solidFill>
@@ -12780,7 +12789,7 @@
           </a:p>
           <a:p>
             <a:r>
-              <a:rPr lang="en-US" dirty="0">
+              <a:rPr lang="en-US" sz="3000" dirty="0">
                 <a:solidFill>
                   <a:schemeClr val="bg1"/>
                 </a:solidFill>
@@ -12791,12 +12800,23 @@
           <a:p>
             <a:pPr lvl="1"/>
             <a:r>
-              <a:rPr lang="en-US" dirty="0">
-                <a:solidFill>
-                  <a:schemeClr val="bg1"/>
-                </a:solidFill>
-              </a:rPr>
-              <a:t>ET_POLICY =&gt; ET_INFO</a:t>
+              <a:rPr lang="en-US" sz="2800" dirty="0">
+                <a:solidFill>
+                  <a:schemeClr val="bg1"/>
+                </a:solidFill>
+              </a:rPr>
+              <a:t>Merged into ET_INFO:</a:t>
+            </a:r>
+          </a:p>
+          <a:p>
+            <a:pPr lvl="2"/>
+            <a:r>
+              <a:rPr lang="en-US" sz="2600" dirty="0">
+                <a:solidFill>
+                  <a:schemeClr val="bg1"/>
+                </a:solidFill>
+              </a:rPr>
+              <a:t>ET_POLICY</a:t>
             </a:r>
           </a:p>
         </p:txBody>

--- a/Suricon2024/Informational_and_Honeytoken_Rules.pptx
+++ b/Suricon2024/Informational_and_Honeytoken_Rules.pptx
@@ -229,7 +229,7 @@
           <a:p>
             <a:fld id="{0A36DFF0-7063-4E12-A745-34CF10173DBC}" type="datetimeFigureOut">
               <a:rPr lang="en-US" smtClean="0"/>
-              <a:t>11/1/2024</a:t>
+              <a:t>1/3/2025</a:t>
             </a:fld>
             <a:endParaRPr lang="en-US"/>
           </a:p>
@@ -1633,7 +1633,7 @@
           <a:p>
             <a:fld id="{C3B1CCE6-05E2-4747-9D51-E9F233D52FB9}" type="datetimeFigureOut">
               <a:rPr lang="en-US" smtClean="0"/>
-              <a:t>11/1/2024</a:t>
+              <a:t>1/3/2025</a:t>
             </a:fld>
             <a:endParaRPr lang="en-US"/>
           </a:p>
@@ -1831,7 +1831,7 @@
           <a:p>
             <a:fld id="{C3B1CCE6-05E2-4747-9D51-E9F233D52FB9}" type="datetimeFigureOut">
               <a:rPr lang="en-US" smtClean="0"/>
-              <a:t>11/1/2024</a:t>
+              <a:t>1/3/2025</a:t>
             </a:fld>
             <a:endParaRPr lang="en-US"/>
           </a:p>
@@ -2039,7 +2039,7 @@
           <a:p>
             <a:fld id="{C3B1CCE6-05E2-4747-9D51-E9F233D52FB9}" type="datetimeFigureOut">
               <a:rPr lang="en-US" smtClean="0"/>
-              <a:t>11/1/2024</a:t>
+              <a:t>1/3/2025</a:t>
             </a:fld>
             <a:endParaRPr lang="en-US"/>
           </a:p>
@@ -2237,7 +2237,7 @@
           <a:p>
             <a:fld id="{C3B1CCE6-05E2-4747-9D51-E9F233D52FB9}" type="datetimeFigureOut">
               <a:rPr lang="en-US" smtClean="0"/>
-              <a:t>11/1/2024</a:t>
+              <a:t>1/3/2025</a:t>
             </a:fld>
             <a:endParaRPr lang="en-US"/>
           </a:p>
@@ -2512,7 +2512,7 @@
           <a:p>
             <a:fld id="{C3B1CCE6-05E2-4747-9D51-E9F233D52FB9}" type="datetimeFigureOut">
               <a:rPr lang="en-US" smtClean="0"/>
-              <a:t>11/1/2024</a:t>
+              <a:t>1/3/2025</a:t>
             </a:fld>
             <a:endParaRPr lang="en-US"/>
           </a:p>
@@ -2777,7 +2777,7 @@
           <a:p>
             <a:fld id="{C3B1CCE6-05E2-4747-9D51-E9F233D52FB9}" type="datetimeFigureOut">
               <a:rPr lang="en-US" smtClean="0"/>
-              <a:t>11/1/2024</a:t>
+              <a:t>1/3/2025</a:t>
             </a:fld>
             <a:endParaRPr lang="en-US"/>
           </a:p>
@@ -3189,7 +3189,7 @@
           <a:p>
             <a:fld id="{C3B1CCE6-05E2-4747-9D51-E9F233D52FB9}" type="datetimeFigureOut">
               <a:rPr lang="en-US" smtClean="0"/>
-              <a:t>11/1/2024</a:t>
+              <a:t>1/3/2025</a:t>
             </a:fld>
             <a:endParaRPr lang="en-US"/>
           </a:p>
@@ -3330,7 +3330,7 @@
           <a:p>
             <a:fld id="{C3B1CCE6-05E2-4747-9D51-E9F233D52FB9}" type="datetimeFigureOut">
               <a:rPr lang="en-US" smtClean="0"/>
-              <a:t>11/1/2024</a:t>
+              <a:t>1/3/2025</a:t>
             </a:fld>
             <a:endParaRPr lang="en-US"/>
           </a:p>
@@ -3443,7 +3443,7 @@
           <a:p>
             <a:fld id="{C3B1CCE6-05E2-4747-9D51-E9F233D52FB9}" type="datetimeFigureOut">
               <a:rPr lang="en-US" smtClean="0"/>
-              <a:t>11/1/2024</a:t>
+              <a:t>1/3/2025</a:t>
             </a:fld>
             <a:endParaRPr lang="en-US"/>
           </a:p>
@@ -3754,7 +3754,7 @@
           <a:p>
             <a:fld id="{C3B1CCE6-05E2-4747-9D51-E9F233D52FB9}" type="datetimeFigureOut">
               <a:rPr lang="en-US" smtClean="0"/>
-              <a:t>11/1/2024</a:t>
+              <a:t>1/3/2025</a:t>
             </a:fld>
             <a:endParaRPr lang="en-US"/>
           </a:p>
@@ -4042,7 +4042,7 @@
           <a:p>
             <a:fld id="{C3B1CCE6-05E2-4747-9D51-E9F233D52FB9}" type="datetimeFigureOut">
               <a:rPr lang="en-US" smtClean="0"/>
-              <a:t>11/1/2024</a:t>
+              <a:t>1/3/2025</a:t>
             </a:fld>
             <a:endParaRPr lang="en-US"/>
           </a:p>
@@ -4283,7 +4283,7 @@
           <a:p>
             <a:fld id="{C3B1CCE6-05E2-4747-9D51-E9F233D52FB9}" type="datetimeFigureOut">
               <a:rPr lang="en-US" smtClean="0"/>
-              <a:t>11/1/2024</a:t>
+              <a:t>1/3/2025</a:t>
             </a:fld>
             <a:endParaRPr lang="en-US"/>
           </a:p>
@@ -4826,10 +4826,10 @@
       </p:sp>
       <p:pic>
         <p:nvPicPr>
-          <p:cNvPr id="5" name="Picture 4">
-            <a:extLst>
-              <a:ext uri="{FF2B5EF4-FFF2-40B4-BE49-F238E27FC236}">
-                <a16:creationId xmlns:a16="http://schemas.microsoft.com/office/drawing/2014/main" id="{0052EEE3-4132-D64C-56A7-BC81C659FE00}"/>
+          <p:cNvPr id="6" name="Picture 5">
+            <a:extLst>
+              <a:ext uri="{FF2B5EF4-FFF2-40B4-BE49-F238E27FC236}">
+                <a16:creationId xmlns:a16="http://schemas.microsoft.com/office/drawing/2014/main" id="{F1507B10-E2BD-CC10-1485-AA11572ACAE3}"/>
               </a:ext>
             </a:extLst>
           </p:cNvPr>
@@ -4839,21 +4839,15 @@
           <p:nvPr/>
         </p:nvPicPr>
         <p:blipFill>
-          <a:blip r:embed="rId2">
-            <a:extLst>
-              <a:ext uri="{28A0092B-C50C-407E-A947-70E740481C1C}">
-                <a14:useLocalDpi xmlns:a14="http://schemas.microsoft.com/office/drawing/2010/main" val="0"/>
-              </a:ext>
-            </a:extLst>
-          </a:blip>
+          <a:blip r:embed="rId2"/>
           <a:stretch>
             <a:fillRect/>
           </a:stretch>
         </p:blipFill>
         <p:spPr>
           <a:xfrm>
-            <a:off x="4650106" y="4000857"/>
-            <a:ext cx="2780952" cy="2857143"/>
+            <a:off x="4094217" y="4014494"/>
+            <a:ext cx="4003565" cy="2768963"/>
           </a:xfrm>
           <a:prstGeom prst="rect">
             <a:avLst/>
@@ -5190,7 +5184,7 @@
                   <a:schemeClr val="bg1"/>
                 </a:solidFill>
               </a:rPr>
-              <a:t>Most normal HTTP/HTTPS traffic specifies a hostname</a:t>
+              <a:t>Most normal HTTP/HTTPS traffic specifies a hostname in the host header</a:t>
             </a:r>
           </a:p>
           <a:p>
@@ -5276,7 +5270,7 @@
                   <a:schemeClr val="bg1"/>
                 </a:solidFill>
               </a:rPr>
-              <a:t>, etc.) will download several DLL files (mozglue.dll, freebl3.dll, sqlite3.dll, nss3.dll, softokn3.dll, etc.</a:t>
+              <a:t>, etc.) will download several DLL files (mozglue.dll, freebl3.dll, sqlite3.dll, nss3.dll, softokn3.dll, etc.)</a:t>
             </a:r>
           </a:p>
           <a:p>
@@ -7921,7 +7915,7 @@
                   <a:schemeClr val="bg1"/>
                 </a:solidFill>
               </a:rPr>
-              <a:t>. I’m here because you believed in me. </a:t>
+              <a:t>. I might not have been able to attend, but I’m here because you believed in me. </a:t>
             </a:r>
           </a:p>
           <a:p>
@@ -9998,7 +9992,7 @@
                   <a:schemeClr val="bg1"/>
                 </a:solidFill>
               </a:rPr>
-              <a:t> and try encoding the artifact strings using various transformations:</a:t>
+              <a:t> (https://gchq.github.io/CyberChef/) and try encoding the artifact strings using various transformations:</a:t>
             </a:r>
           </a:p>
           <a:p>
@@ -12150,23 +12144,7 @@
                   <a:schemeClr val="bg1"/>
                 </a:solidFill>
               </a:rPr>
-              <a:t>I’m </a:t>
-            </a:r>
-            <a:r>
-              <a:rPr lang="en-US" dirty="0" err="1">
-                <a:solidFill>
-                  <a:schemeClr val="bg1"/>
-                </a:solidFill>
-              </a:rPr>
-              <a:t>gonna</a:t>
-            </a:r>
-            <a:r>
-              <a:rPr lang="en-US" dirty="0">
-                <a:solidFill>
-                  <a:schemeClr val="bg1"/>
-                </a:solidFill>
-              </a:rPr>
-              <a:t> get off stage now.</a:t>
+              <a:t>Get in touch with the ET team</a:t>
             </a:r>
           </a:p>
           <a:p>
@@ -12177,23 +12155,7 @@
                   <a:schemeClr val="bg1"/>
                 </a:solidFill>
               </a:rPr>
-              <a:t>Come see me out in the hallway if you </a:t>
-            </a:r>
-            <a:r>
-              <a:rPr lang="en-US" dirty="0" err="1">
-                <a:solidFill>
-                  <a:schemeClr val="bg1"/>
-                </a:solidFill>
-              </a:rPr>
-              <a:t>wanna</a:t>
-            </a:r>
-            <a:r>
-              <a:rPr lang="en-US" dirty="0">
-                <a:solidFill>
-                  <a:schemeClr val="bg1"/>
-                </a:solidFill>
-              </a:rPr>
-              <a:t> talk shop!</a:t>
+              <a:t>https://community.emergingthreats.net</a:t>
             </a:r>
           </a:p>
           <a:p>
@@ -12204,17 +12166,7 @@
                   <a:schemeClr val="bg1"/>
                 </a:solidFill>
               </a:rPr>
-              <a:t>I’ll be handing out contact cards</a:t>
-            </a:r>
-          </a:p>
-          <a:p>
-            <a:r>
-              <a:rPr lang="en-US" dirty="0">
-                <a:solidFill>
-                  <a:schemeClr val="bg1"/>
-                </a:solidFill>
-              </a:rPr>
-              <a:t>Get in touch with the ET team</a:t>
+              <a:t>Community forum. Come talk shop with us, share rules, post questions, etc.</a:t>
             </a:r>
           </a:p>
           <a:p>
@@ -12225,7 +12177,7 @@
                   <a:schemeClr val="bg1"/>
                 </a:solidFill>
               </a:rPr>
-              <a:t>https://community.emergingthreats.net</a:t>
+              <a:t>Discord</a:t>
             </a:r>
           </a:p>
           <a:p>
@@ -12236,18 +12188,7 @@
                   <a:schemeClr val="bg1"/>
                 </a:solidFill>
               </a:rPr>
-              <a:t>Community forum. Come talk shop with us, share rules, post questions, etc.</a:t>
-            </a:r>
-          </a:p>
-          <a:p>
-            <a:pPr lvl="1"/>
-            <a:r>
-              <a:rPr lang="en-US" dirty="0">
-                <a:solidFill>
-                  <a:schemeClr val="bg1"/>
-                </a:solidFill>
-              </a:rPr>
-              <a:t>Discord</a:t>
+              <a:t>Yeah, I just finished talking smack about Discord, but we _do_ have a Discord community as well.</a:t>
             </a:r>
           </a:p>
           <a:p>
@@ -12258,19 +12199,65 @@
                   <a:schemeClr val="bg1"/>
                 </a:solidFill>
               </a:rPr>
-              <a:t>Yeah, I just finished talking smack about Discord, but we _do_ have a Discord community as well.</a:t>
-            </a:r>
-          </a:p>
-          <a:p>
-            <a:pPr lvl="2"/>
-            <a:r>
-              <a:rPr lang="en-US" dirty="0">
-                <a:solidFill>
-                  <a:schemeClr val="bg1"/>
-                </a:solidFill>
-              </a:rPr>
               <a:t>https://discord.gg/8ZGA6mtfYT</a:t>
             </a:r>
+          </a:p>
+          <a:p>
+            <a:r>
+              <a:rPr lang="en-US" sz="2800" u="sng" dirty="0">
+                <a:solidFill>
+                  <a:schemeClr val="bg1"/>
+                </a:solidFill>
+              </a:rPr>
+              <a:t>Slide deck, </a:t>
+            </a:r>
+            <a:r>
+              <a:rPr lang="en-US" sz="2800" u="sng" dirty="0" err="1">
+                <a:solidFill>
+                  <a:schemeClr val="bg1"/>
+                </a:solidFill>
+              </a:rPr>
+              <a:t>Cyberchef</a:t>
+            </a:r>
+            <a:r>
+              <a:rPr lang="en-US" sz="2800" u="sng" dirty="0">
+                <a:solidFill>
+                  <a:schemeClr val="bg1"/>
+                </a:solidFill>
+              </a:rPr>
+              <a:t> recipe, siderator.py, and </a:t>
+            </a:r>
+            <a:r>
+              <a:rPr lang="en-US" sz="2800" u="sng">
+                <a:solidFill>
+                  <a:schemeClr val="bg1"/>
+                </a:solidFill>
+              </a:rPr>
+              <a:t>other materials </a:t>
+            </a:r>
+            <a:r>
+              <a:rPr lang="en-US" sz="2800" u="sng" dirty="0">
+                <a:solidFill>
+                  <a:schemeClr val="bg1"/>
+                </a:solidFill>
+              </a:rPr>
+              <a:t>available at:</a:t>
+            </a:r>
+          </a:p>
+          <a:p>
+            <a:r>
+              <a:rPr lang="en-US" sz="2800" b="1" dirty="0">
+                <a:solidFill>
+                  <a:schemeClr val="bg1"/>
+                </a:solidFill>
+              </a:rPr>
+              <a:t> https://github.com/da667/Contalks/tree/main/Suricon2024</a:t>
+            </a:r>
+            <a:endParaRPr lang="en-US" dirty="0">
+              <a:solidFill>
+                <a:schemeClr val="bg1"/>
+              </a:solidFill>
+            </a:endParaRPr>
           </a:p>
           <a:p>
             <a:pPr lvl="2"/>
